--- a/Gestao de Projetos/PPT/Aula 03/Aula 03.pptx
+++ b/Gestao de Projetos/PPT/Aula 03/Aula 03.pptx
@@ -277,7 +277,7 @@
           <a:p>
             <a:fld id="{8C28A28C-4C6A-46EA-90C0-4EE0B89CC5C7}" type="datetimeFigureOut">
               <a:rPr lang="en-US" smtClean="0"/>
-              <a:t>12/25/2023</a:t>
+              <a:t>12/29/2023</a:t>
             </a:fld>
             <a:endParaRPr lang="en-US" dirty="0"/>
           </a:p>
@@ -475,7 +475,7 @@
           <a:p>
             <a:fld id="{8C28A28C-4C6A-46EA-90C0-4EE0B89CC5C7}" type="datetimeFigureOut">
               <a:rPr lang="en-US" smtClean="0"/>
-              <a:t>12/25/2023</a:t>
+              <a:t>12/29/2023</a:t>
             </a:fld>
             <a:endParaRPr lang="en-US"/>
           </a:p>
@@ -683,7 +683,7 @@
           <a:p>
             <a:fld id="{8C28A28C-4C6A-46EA-90C0-4EE0B89CC5C7}" type="datetimeFigureOut">
               <a:rPr lang="en-US" smtClean="0"/>
-              <a:t>12/25/2023</a:t>
+              <a:t>12/29/2023</a:t>
             </a:fld>
             <a:endParaRPr lang="en-US"/>
           </a:p>
@@ -881,7 +881,7 @@
           <a:p>
             <a:fld id="{8C28A28C-4C6A-46EA-90C0-4EE0B89CC5C7}" type="datetimeFigureOut">
               <a:rPr lang="en-US" smtClean="0"/>
-              <a:t>12/25/2023</a:t>
+              <a:t>12/29/2023</a:t>
             </a:fld>
             <a:endParaRPr lang="en-US"/>
           </a:p>
@@ -1158,7 +1158,7 @@
           <a:p>
             <a:fld id="{8C28A28C-4C6A-46EA-90C0-4EE0B89CC5C7}" type="datetimeFigureOut">
               <a:rPr lang="en-US" smtClean="0"/>
-              <a:t>12/25/2023</a:t>
+              <a:t>12/29/2023</a:t>
             </a:fld>
             <a:endParaRPr lang="en-US"/>
           </a:p>
@@ -1423,7 +1423,7 @@
           <a:p>
             <a:fld id="{8C28A28C-4C6A-46EA-90C0-4EE0B89CC5C7}" type="datetimeFigureOut">
               <a:rPr lang="en-US" smtClean="0"/>
-              <a:t>12/25/2023</a:t>
+              <a:t>12/29/2023</a:t>
             </a:fld>
             <a:endParaRPr lang="en-US"/>
           </a:p>
@@ -1835,7 +1835,7 @@
           <a:p>
             <a:fld id="{8C28A28C-4C6A-46EA-90C0-4EE0B89CC5C7}" type="datetimeFigureOut">
               <a:rPr lang="en-US" smtClean="0"/>
-              <a:t>12/25/2023</a:t>
+              <a:t>12/29/2023</a:t>
             </a:fld>
             <a:endParaRPr lang="en-US"/>
           </a:p>
@@ -1976,7 +1976,7 @@
           <a:p>
             <a:fld id="{8C28A28C-4C6A-46EA-90C0-4EE0B89CC5C7}" type="datetimeFigureOut">
               <a:rPr lang="en-US" smtClean="0"/>
-              <a:t>12/25/2023</a:t>
+              <a:t>12/29/2023</a:t>
             </a:fld>
             <a:endParaRPr lang="en-US"/>
           </a:p>
@@ -2089,7 +2089,7 @@
           <a:p>
             <a:fld id="{8C28A28C-4C6A-46EA-90C0-4EE0B89CC5C7}" type="datetimeFigureOut">
               <a:rPr lang="en-US" smtClean="0"/>
-              <a:t>12/25/2023</a:t>
+              <a:t>12/29/2023</a:t>
             </a:fld>
             <a:endParaRPr lang="en-US"/>
           </a:p>
@@ -2402,7 +2402,7 @@
           <a:p>
             <a:fld id="{8C28A28C-4C6A-46EA-90C0-4EE0B89CC5C7}" type="datetimeFigureOut">
               <a:rPr lang="en-US" smtClean="0"/>
-              <a:t>12/25/2023</a:t>
+              <a:t>12/29/2023</a:t>
             </a:fld>
             <a:endParaRPr lang="en-US"/>
           </a:p>
@@ -2690,7 +2690,7 @@
           <a:p>
             <a:fld id="{8C28A28C-4C6A-46EA-90C0-4EE0B89CC5C7}" type="datetimeFigureOut">
               <a:rPr lang="en-US" smtClean="0"/>
-              <a:t>12/25/2023</a:t>
+              <a:t>12/29/2023</a:t>
             </a:fld>
             <a:endParaRPr lang="en-US"/>
           </a:p>
@@ -3045,7 +3045,7 @@
             <a:fld id="{8C28A28C-4C6A-46EA-90C0-4EE0B89CC5C7}" type="datetimeFigureOut">
               <a:rPr lang="en-US" smtClean="0"/>
               <a:pPr/>
-              <a:t>12/25/2023</a:t>
+              <a:t>12/29/2023</a:t>
             </a:fld>
             <a:endParaRPr lang="en-US" dirty="0"/>
           </a:p>
@@ -4680,13 +4680,13 @@
   <p:clrMapOvr>
     <a:masterClrMapping/>
   </p:clrMapOvr>
-  <mc:AlternateContent xmlns:mc="http://schemas.openxmlformats.org/markup-compatibility/2006">
-    <mc:Choice xmlns:p159="http://schemas.microsoft.com/office/powerpoint/2015/09/main" Requires="p159">
+  <mc:AlternateContent xmlns:mc="http://schemas.openxmlformats.org/markup-compatibility/2006" xmlns:p159="http://schemas.microsoft.com/office/powerpoint/2015/09/main">
+    <mc:Choice Requires="p159">
       <p:transition xmlns:p14="http://schemas.microsoft.com/office/powerpoint/2010/main" spd="slow" p14:dur="2000">
         <p159:morph option="byObject"/>
       </p:transition>
     </mc:Choice>
-    <mc:Fallback>
+    <mc:Fallback xmlns="">
       <p:transition spd="slow">
         <p:fade/>
       </p:transition>
@@ -5346,13 +5346,13 @@
   <p:clrMapOvr>
     <a:masterClrMapping/>
   </p:clrMapOvr>
-  <mc:AlternateContent xmlns:mc="http://schemas.openxmlformats.org/markup-compatibility/2006">
-    <mc:Choice xmlns:p159="http://schemas.microsoft.com/office/powerpoint/2015/09/main" Requires="p159">
+  <mc:AlternateContent xmlns:mc="http://schemas.openxmlformats.org/markup-compatibility/2006" xmlns:p159="http://schemas.microsoft.com/office/powerpoint/2015/09/main">
+    <mc:Choice Requires="p159">
       <p:transition xmlns:p14="http://schemas.microsoft.com/office/powerpoint/2010/main" spd="slow" p14:dur="2000">
         <p159:morph option="byObject"/>
       </p:transition>
     </mc:Choice>
-    <mc:Fallback>
+    <mc:Fallback xmlns="">
       <p:transition spd="slow">
         <p:fade/>
       </p:transition>
@@ -6037,13 +6037,13 @@
   <p:clrMapOvr>
     <a:masterClrMapping/>
   </p:clrMapOvr>
-  <mc:AlternateContent xmlns:mc="http://schemas.openxmlformats.org/markup-compatibility/2006">
-    <mc:Choice xmlns:p159="http://schemas.microsoft.com/office/powerpoint/2015/09/main" Requires="p159">
+  <mc:AlternateContent xmlns:mc="http://schemas.openxmlformats.org/markup-compatibility/2006" xmlns:p159="http://schemas.microsoft.com/office/powerpoint/2015/09/main">
+    <mc:Choice Requires="p159">
       <p:transition xmlns:p14="http://schemas.microsoft.com/office/powerpoint/2010/main" spd="slow" p14:dur="2000">
         <p159:morph option="byObject"/>
       </p:transition>
     </mc:Choice>
-    <mc:Fallback>
+    <mc:Fallback xmlns="">
       <p:transition spd="slow">
         <p:fade/>
       </p:transition>
@@ -6735,13 +6735,13 @@
   <p:clrMapOvr>
     <a:masterClrMapping/>
   </p:clrMapOvr>
-  <mc:AlternateContent xmlns:mc="http://schemas.openxmlformats.org/markup-compatibility/2006">
-    <mc:Choice xmlns:p159="http://schemas.microsoft.com/office/powerpoint/2015/09/main" Requires="p159">
+  <mc:AlternateContent xmlns:mc="http://schemas.openxmlformats.org/markup-compatibility/2006" xmlns:p159="http://schemas.microsoft.com/office/powerpoint/2015/09/main">
+    <mc:Choice Requires="p159">
       <p:transition xmlns:p14="http://schemas.microsoft.com/office/powerpoint/2010/main" spd="slow" p14:dur="2000">
         <p159:morph option="byObject"/>
       </p:transition>
     </mc:Choice>
-    <mc:Fallback>
+    <mc:Fallback xmlns="">
       <p:transition spd="slow">
         <p:fade/>
       </p:transition>
@@ -7395,13 +7395,13 @@
   <p:clrMapOvr>
     <a:masterClrMapping/>
   </p:clrMapOvr>
-  <mc:AlternateContent xmlns:mc="http://schemas.openxmlformats.org/markup-compatibility/2006">
-    <mc:Choice xmlns:p159="http://schemas.microsoft.com/office/powerpoint/2015/09/main" Requires="p159">
+  <mc:AlternateContent xmlns:mc="http://schemas.openxmlformats.org/markup-compatibility/2006" xmlns:p159="http://schemas.microsoft.com/office/powerpoint/2015/09/main">
+    <mc:Choice Requires="p159">
       <p:transition xmlns:p14="http://schemas.microsoft.com/office/powerpoint/2010/main" spd="slow" p14:dur="2000">
         <p159:morph option="byObject"/>
       </p:transition>
     </mc:Choice>
-    <mc:Fallback>
+    <mc:Fallback xmlns="">
       <p:transition spd="slow">
         <p:fade/>
       </p:transition>
@@ -7980,6 +7980,42 @@
           </a:p>
         </p:txBody>
       </p:sp>
+      <p:pic>
+        <p:nvPicPr>
+          <p:cNvPr id="13" name="Imagem 12" descr="Imagem em preto e branco&#10;&#10;Descrição gerada automaticamente">
+            <a:extLst>
+              <a:ext uri="{FF2B5EF4-FFF2-40B4-BE49-F238E27FC236}">
+                <a16:creationId xmlns:a16="http://schemas.microsoft.com/office/drawing/2014/main" id="{05729347-9EE1-39F1-82F6-EE48F403EA27}"/>
+              </a:ext>
+            </a:extLst>
+          </p:cNvPr>
+          <p:cNvPicPr>
+            <a:picLocks noChangeAspect="1"/>
+          </p:cNvPicPr>
+          <p:nvPr/>
+        </p:nvPicPr>
+        <p:blipFill>
+          <a:blip r:embed="rId2">
+            <a:extLst>
+              <a:ext uri="{28A0092B-C50C-407E-A947-70E740481C1C}">
+                <a14:useLocalDpi xmlns:a14="http://schemas.microsoft.com/office/drawing/2010/main" val="0"/>
+              </a:ext>
+            </a:extLst>
+          </a:blip>
+          <a:stretch>
+            <a:fillRect/>
+          </a:stretch>
+        </p:blipFill>
+        <p:spPr>
+          <a:xfrm>
+            <a:off x="4730577" y="593417"/>
+            <a:ext cx="6096012" cy="6096012"/>
+          </a:xfrm>
+          <a:prstGeom prst="rect">
+            <a:avLst/>
+          </a:prstGeom>
+        </p:spPr>
+      </p:pic>
     </p:spTree>
     <p:extLst>
       <p:ext uri="{BB962C8B-B14F-4D97-AF65-F5344CB8AC3E}">
@@ -7990,13 +8026,13 @@
   <p:clrMapOvr>
     <a:masterClrMapping/>
   </p:clrMapOvr>
-  <mc:AlternateContent xmlns:mc="http://schemas.openxmlformats.org/markup-compatibility/2006">
-    <mc:Choice xmlns:p159="http://schemas.microsoft.com/office/powerpoint/2015/09/main" Requires="p159">
+  <mc:AlternateContent xmlns:mc="http://schemas.openxmlformats.org/markup-compatibility/2006" xmlns:p159="http://schemas.microsoft.com/office/powerpoint/2015/09/main">
+    <mc:Choice Requires="p159">
       <p:transition xmlns:p14="http://schemas.microsoft.com/office/powerpoint/2010/main" spd="slow" p14:dur="2000">
         <p159:morph option="byObject"/>
       </p:transition>
     </mc:Choice>
-    <mc:Fallback>
+    <mc:Fallback xmlns="">
       <p:transition spd="slow">
         <p:fade/>
       </p:transition>
@@ -8549,13 +8585,13 @@
   <p:clrMapOvr>
     <a:masterClrMapping/>
   </p:clrMapOvr>
-  <mc:AlternateContent xmlns:mc="http://schemas.openxmlformats.org/markup-compatibility/2006">
-    <mc:Choice xmlns:p159="http://schemas.microsoft.com/office/powerpoint/2015/09/main" Requires="p159">
+  <mc:AlternateContent xmlns:mc="http://schemas.openxmlformats.org/markup-compatibility/2006" xmlns:p159="http://schemas.microsoft.com/office/powerpoint/2015/09/main">
+    <mc:Choice Requires="p159">
       <p:transition xmlns:p14="http://schemas.microsoft.com/office/powerpoint/2010/main" spd="slow" p14:dur="2000">
         <p159:morph option="byObject"/>
       </p:transition>
     </mc:Choice>
-    <mc:Fallback>
+    <mc:Fallback xmlns="">
       <p:transition spd="slow">
         <p:fade/>
       </p:transition>
@@ -9202,13 +9238,13 @@
   <p:clrMapOvr>
     <a:masterClrMapping/>
   </p:clrMapOvr>
-  <mc:AlternateContent xmlns:mc="http://schemas.openxmlformats.org/markup-compatibility/2006">
-    <mc:Choice xmlns:p159="http://schemas.microsoft.com/office/powerpoint/2015/09/main" Requires="p159">
+  <mc:AlternateContent xmlns:mc="http://schemas.openxmlformats.org/markup-compatibility/2006" xmlns:p159="http://schemas.microsoft.com/office/powerpoint/2015/09/main">
+    <mc:Choice Requires="p159">
       <p:transition xmlns:p14="http://schemas.microsoft.com/office/powerpoint/2010/main" spd="slow" p14:dur="2000">
         <p159:morph option="byObject"/>
       </p:transition>
     </mc:Choice>
-    <mc:Fallback>
+    <mc:Fallback xmlns="">
       <p:transition spd="slow">
         <p:fade/>
       </p:transition>
@@ -9876,13 +9912,13 @@
   <p:clrMapOvr>
     <a:masterClrMapping/>
   </p:clrMapOvr>
-  <mc:AlternateContent xmlns:mc="http://schemas.openxmlformats.org/markup-compatibility/2006">
-    <mc:Choice xmlns:p159="http://schemas.microsoft.com/office/powerpoint/2015/09/main" Requires="p159">
+  <mc:AlternateContent xmlns:mc="http://schemas.openxmlformats.org/markup-compatibility/2006" xmlns:p159="http://schemas.microsoft.com/office/powerpoint/2015/09/main">
+    <mc:Choice Requires="p159">
       <p:transition xmlns:p14="http://schemas.microsoft.com/office/powerpoint/2010/main" spd="slow" p14:dur="2000">
         <p159:morph option="byObject"/>
       </p:transition>
     </mc:Choice>
-    <mc:Fallback>
+    <mc:Fallback xmlns="">
       <p:transition spd="slow">
         <p:fade/>
       </p:transition>
@@ -10538,13 +10574,13 @@
   <p:clrMapOvr>
     <a:masterClrMapping/>
   </p:clrMapOvr>
-  <mc:AlternateContent xmlns:mc="http://schemas.openxmlformats.org/markup-compatibility/2006">
-    <mc:Choice xmlns:p159="http://schemas.microsoft.com/office/powerpoint/2015/09/main" Requires="p159">
+  <mc:AlternateContent xmlns:mc="http://schemas.openxmlformats.org/markup-compatibility/2006" xmlns:p159="http://schemas.microsoft.com/office/powerpoint/2015/09/main">
+    <mc:Choice Requires="p159">
       <p:transition xmlns:p14="http://schemas.microsoft.com/office/powerpoint/2010/main" spd="slow" p14:dur="2000">
         <p159:morph option="byObject"/>
       </p:transition>
     </mc:Choice>
-    <mc:Fallback>
+    <mc:Fallback xmlns="">
       <p:transition spd="slow">
         <p:fade/>
       </p:transition>
@@ -11169,13 +11205,13 @@
   <p:clrMapOvr>
     <a:masterClrMapping/>
   </p:clrMapOvr>
-  <mc:AlternateContent xmlns:mc="http://schemas.openxmlformats.org/markup-compatibility/2006">
-    <mc:Choice xmlns:p159="http://schemas.microsoft.com/office/powerpoint/2015/09/main" Requires="p159">
+  <mc:AlternateContent xmlns:mc="http://schemas.openxmlformats.org/markup-compatibility/2006" xmlns:p159="http://schemas.microsoft.com/office/powerpoint/2015/09/main">
+    <mc:Choice Requires="p159">
       <p:transition xmlns:p14="http://schemas.microsoft.com/office/powerpoint/2010/main" spd="slow" p14:dur="2000">
         <p159:morph option="byObject"/>
       </p:transition>
     </mc:Choice>
-    <mc:Fallback>
+    <mc:Fallback xmlns="">
       <p:transition spd="slow">
         <p:fade/>
       </p:transition>
@@ -11796,13 +11832,13 @@
   <p:clrMapOvr>
     <a:masterClrMapping/>
   </p:clrMapOvr>
-  <mc:AlternateContent xmlns:mc="http://schemas.openxmlformats.org/markup-compatibility/2006">
-    <mc:Choice xmlns:p159="http://schemas.microsoft.com/office/powerpoint/2015/09/main" Requires="p159">
+  <mc:AlternateContent xmlns:mc="http://schemas.openxmlformats.org/markup-compatibility/2006" xmlns:p159="http://schemas.microsoft.com/office/powerpoint/2015/09/main">
+    <mc:Choice Requires="p159">
       <p:transition xmlns:p14="http://schemas.microsoft.com/office/powerpoint/2010/main" spd="slow" p14:dur="2000">
         <p159:morph option="byObject"/>
       </p:transition>
     </mc:Choice>
-    <mc:Fallback>
+    <mc:Fallback xmlns="">
       <p:transition spd="slow">
         <p:fade/>
       </p:transition>
@@ -12423,13 +12459,13 @@
   <p:clrMapOvr>
     <a:masterClrMapping/>
   </p:clrMapOvr>
-  <mc:AlternateContent xmlns:mc="http://schemas.openxmlformats.org/markup-compatibility/2006">
-    <mc:Choice xmlns:p159="http://schemas.microsoft.com/office/powerpoint/2015/09/main" Requires="p159">
+  <mc:AlternateContent xmlns:mc="http://schemas.openxmlformats.org/markup-compatibility/2006" xmlns:p159="http://schemas.microsoft.com/office/powerpoint/2015/09/main">
+    <mc:Choice Requires="p159">
       <p:transition xmlns:p14="http://schemas.microsoft.com/office/powerpoint/2010/main" spd="slow" p14:dur="2000">
         <p159:morph option="byObject"/>
       </p:transition>
     </mc:Choice>
-    <mc:Fallback>
+    <mc:Fallback xmlns="">
       <p:transition spd="slow">
         <p:fade/>
       </p:transition>
@@ -13041,13 +13077,13 @@
   <p:clrMapOvr>
     <a:masterClrMapping/>
   </p:clrMapOvr>
-  <mc:AlternateContent xmlns:mc="http://schemas.openxmlformats.org/markup-compatibility/2006">
-    <mc:Choice xmlns:p159="http://schemas.microsoft.com/office/powerpoint/2015/09/main" Requires="p159">
+  <mc:AlternateContent xmlns:mc="http://schemas.openxmlformats.org/markup-compatibility/2006" xmlns:p159="http://schemas.microsoft.com/office/powerpoint/2015/09/main">
+    <mc:Choice Requires="p159">
       <p:transition xmlns:p14="http://schemas.microsoft.com/office/powerpoint/2010/main" spd="slow" p14:dur="2000">
         <p159:morph option="byObject"/>
       </p:transition>
     </mc:Choice>
-    <mc:Fallback>
+    <mc:Fallback xmlns="">
       <p:transition spd="slow">
         <p:fade/>
       </p:transition>
